--- a/doc/OSGi.pptx
+++ b/doc/OSGi.pptx
@@ -313,7 +313,7 @@
             <a:fld id="{EC0BC403-F0F8-47B2-921E-82C1D404E7C5}" type="datetimeFigureOut">
               <a:rPr lang="sr-Latn-CS" smtClean="0"/>
               <a:pPr/>
-              <a:t>11.10.2011</a:t>
+              <a:t>18.10.2011</a:t>
             </a:fld>
             <a:endParaRPr lang="hr-HR"/>
           </a:p>
@@ -480,7 +480,7 @@
             <a:fld id="{EC0BC403-F0F8-47B2-921E-82C1D404E7C5}" type="datetimeFigureOut">
               <a:rPr lang="sr-Latn-CS" smtClean="0"/>
               <a:pPr/>
-              <a:t>11.10.2011</a:t>
+              <a:t>18.10.2011</a:t>
             </a:fld>
             <a:endParaRPr lang="hr-HR"/>
           </a:p>
@@ -657,7 +657,7 @@
             <a:fld id="{EC0BC403-F0F8-47B2-921E-82C1D404E7C5}" type="datetimeFigureOut">
               <a:rPr lang="sr-Latn-CS" smtClean="0"/>
               <a:pPr/>
-              <a:t>11.10.2011</a:t>
+              <a:t>18.10.2011</a:t>
             </a:fld>
             <a:endParaRPr lang="hr-HR"/>
           </a:p>
@@ -824,7 +824,7 @@
             <a:fld id="{EC0BC403-F0F8-47B2-921E-82C1D404E7C5}" type="datetimeFigureOut">
               <a:rPr lang="sr-Latn-CS" smtClean="0"/>
               <a:pPr/>
-              <a:t>11.10.2011</a:t>
+              <a:t>18.10.2011</a:t>
             </a:fld>
             <a:endParaRPr lang="hr-HR"/>
           </a:p>
@@ -1067,7 +1067,7 @@
             <a:fld id="{EC0BC403-F0F8-47B2-921E-82C1D404E7C5}" type="datetimeFigureOut">
               <a:rPr lang="sr-Latn-CS" smtClean="0"/>
               <a:pPr/>
-              <a:t>11.10.2011</a:t>
+              <a:t>18.10.2011</a:t>
             </a:fld>
             <a:endParaRPr lang="hr-HR"/>
           </a:p>
@@ -1352,7 +1352,7 @@
             <a:fld id="{EC0BC403-F0F8-47B2-921E-82C1D404E7C5}" type="datetimeFigureOut">
               <a:rPr lang="sr-Latn-CS" smtClean="0"/>
               <a:pPr/>
-              <a:t>11.10.2011</a:t>
+              <a:t>18.10.2011</a:t>
             </a:fld>
             <a:endParaRPr lang="hr-HR"/>
           </a:p>
@@ -1771,7 +1771,7 @@
             <a:fld id="{EC0BC403-F0F8-47B2-921E-82C1D404E7C5}" type="datetimeFigureOut">
               <a:rPr lang="sr-Latn-CS" smtClean="0"/>
               <a:pPr/>
-              <a:t>11.10.2011</a:t>
+              <a:t>18.10.2011</a:t>
             </a:fld>
             <a:endParaRPr lang="hr-HR"/>
           </a:p>
@@ -1886,7 +1886,7 @@
             <a:fld id="{EC0BC403-F0F8-47B2-921E-82C1D404E7C5}" type="datetimeFigureOut">
               <a:rPr lang="sr-Latn-CS" smtClean="0"/>
               <a:pPr/>
-              <a:t>11.10.2011</a:t>
+              <a:t>18.10.2011</a:t>
             </a:fld>
             <a:endParaRPr lang="hr-HR"/>
           </a:p>
@@ -1978,7 +1978,7 @@
             <a:fld id="{EC0BC403-F0F8-47B2-921E-82C1D404E7C5}" type="datetimeFigureOut">
               <a:rPr lang="sr-Latn-CS" smtClean="0"/>
               <a:pPr/>
-              <a:t>11.10.2011</a:t>
+              <a:t>18.10.2011</a:t>
             </a:fld>
             <a:endParaRPr lang="hr-HR"/>
           </a:p>
@@ -2252,7 +2252,7 @@
             <a:fld id="{EC0BC403-F0F8-47B2-921E-82C1D404E7C5}" type="datetimeFigureOut">
               <a:rPr lang="sr-Latn-CS" smtClean="0"/>
               <a:pPr/>
-              <a:t>11.10.2011</a:t>
+              <a:t>18.10.2011</a:t>
             </a:fld>
             <a:endParaRPr lang="hr-HR"/>
           </a:p>
@@ -2502,7 +2502,7 @@
             <a:fld id="{EC0BC403-F0F8-47B2-921E-82C1D404E7C5}" type="datetimeFigureOut">
               <a:rPr lang="sr-Latn-CS" smtClean="0"/>
               <a:pPr/>
-              <a:t>11.10.2011</a:t>
+              <a:t>18.10.2011</a:t>
             </a:fld>
             <a:endParaRPr lang="hr-HR"/>
           </a:p>
@@ -2712,7 +2712,7 @@
             <a:fld id="{EC0BC403-F0F8-47B2-921E-82C1D404E7C5}" type="datetimeFigureOut">
               <a:rPr lang="sr-Latn-CS" smtClean="0"/>
               <a:pPr/>
-              <a:t>11.10.2011</a:t>
+              <a:t>18.10.2011</a:t>
             </a:fld>
             <a:endParaRPr lang="hr-HR"/>
           </a:p>
@@ -3297,15 +3297,7 @@
             </a:pPr>
             <a:r>
               <a:rPr lang="hr-HR" sz="2000" dirty="0" smtClean="0"/>
-              <a:t> Servisi </a:t>
-            </a:r>
-            <a:r>
-              <a:rPr lang="hr-HR" sz="2000" dirty="0" smtClean="0"/>
-              <a:t>implementiraju neko </a:t>
-            </a:r>
-            <a:r>
-              <a:rPr lang="hr-HR" sz="2000" dirty="0" smtClean="0"/>
-              <a:t>sučelje </a:t>
+              <a:t> Servisi implementiraju neko sučelje </a:t>
             </a:r>
           </a:p>
           <a:p>
@@ -3325,7 +3317,6 @@
               <a:rPr lang="hr-HR" sz="2000" dirty="0" smtClean="0"/>
               <a:t> okolini</a:t>
             </a:r>
-            <a:endParaRPr lang="hr-HR" sz="2000" dirty="0" smtClean="0"/>
           </a:p>
           <a:p>
             <a:pPr>
@@ -7572,15 +7563,7 @@
             </a:pPr>
             <a:r>
               <a:rPr lang="hr-HR" dirty="0" smtClean="0"/>
-              <a:t> Svežanj </a:t>
-            </a:r>
-            <a:r>
-              <a:rPr lang="hr-HR" dirty="0" smtClean="0"/>
-              <a:t>sa specifičnim uputama u manifestu </a:t>
-            </a:r>
-            <a:r>
-              <a:rPr lang="hr-HR" dirty="0" smtClean="0"/>
-              <a:t>koje omogućavaju vezanje na drugi svežanj</a:t>
+              <a:t> Svežanj sa specifičnim uputama u manifestu koje omogućavaju vezanje na drugi svežanj</a:t>
             </a:r>
           </a:p>
           <a:p>
@@ -7590,11 +7573,7 @@
             </a:pPr>
             <a:r>
               <a:rPr lang="hr-HR" dirty="0" smtClean="0"/>
-              <a:t> Sadržaj fragmenta postaje </a:t>
-            </a:r>
-            <a:r>
-              <a:rPr lang="hr-HR" dirty="0" smtClean="0"/>
-              <a:t>dio staze klasa(</a:t>
+              <a:t> Sadržaj fragmenta postaje dio staze klasa(</a:t>
             </a:r>
             <a:r>
               <a:rPr lang="hr-HR" dirty="0" err="1" smtClean="0"/>
@@ -7602,17 +7581,8 @@
             </a:r>
             <a:r>
               <a:rPr lang="hr-HR" dirty="0" smtClean="0"/>
-              <a:t>) </a:t>
-            </a:r>
-            <a:r>
-              <a:rPr lang="hr-HR" dirty="0" smtClean="0"/>
-              <a:t>roditeljskog </a:t>
-            </a:r>
-            <a:r>
-              <a:rPr lang="hr-HR" dirty="0" smtClean="0"/>
-              <a:t>svežnja. </a:t>
-            </a:r>
-            <a:endParaRPr lang="hr-HR" dirty="0" smtClean="0"/>
+              <a:t>) roditeljskog svežnja. </a:t>
+            </a:r>
           </a:p>
           <a:p>
             <a:pPr>
@@ -7771,15 +7741,7 @@
             </a:pPr>
             <a:r>
               <a:rPr lang="hr-HR" dirty="0" smtClean="0"/>
-              <a:t> Programski </a:t>
-            </a:r>
-            <a:r>
-              <a:rPr lang="hr-HR" dirty="0" smtClean="0"/>
-              <a:t>pristup </a:t>
-            </a:r>
-            <a:r>
-              <a:rPr lang="hr-HR" dirty="0" smtClean="0"/>
-              <a:t>pisanju </a:t>
+              <a:t> Programski pristup pisanju </a:t>
             </a:r>
             <a:r>
               <a:rPr lang="hr-HR" dirty="0" err="1" smtClean="0"/>
@@ -7815,7 +7777,11 @@
             </a:pPr>
             <a:r>
               <a:rPr lang="hr-HR" dirty="0" smtClean="0"/>
-              <a:t> Pozivanje Metode </a:t>
+              <a:t> </a:t>
+            </a:r>
+            <a:r>
+              <a:rPr lang="hr-HR" dirty="0" smtClean="0"/>
+              <a:t>Poziva se metoda </a:t>
             </a:r>
             <a:r>
               <a:rPr lang="hr-HR" dirty="0" err="1" smtClean="0"/>
@@ -7851,7 +7817,6 @@
               <a:rPr lang="hr-HR" dirty="0" smtClean="0"/>
               <a:t>? - nema potrebe</a:t>
             </a:r>
-            <a:endParaRPr lang="hr-HR" dirty="0" smtClean="0"/>
           </a:p>
           <a:p>
             <a:pPr>
@@ -7860,20 +7825,29 @@
             </a:pPr>
             <a:r>
               <a:rPr lang="hr-HR" dirty="0" smtClean="0"/>
+              <a:t> Omogućava djelomično praćenje životnog ciklusa </a:t>
+            </a:r>
+            <a:r>
+              <a:rPr lang="hr-HR" dirty="0" smtClean="0"/>
+              <a:t>svežnja (</a:t>
+            </a:r>
+            <a:r>
+              <a:rPr lang="hr-HR" dirty="0" err="1" smtClean="0"/>
+              <a:t>adding</a:t>
+            </a:r>
+            <a:r>
+              <a:rPr lang="hr-HR" dirty="0" smtClean="0"/>
               <a:t> </a:t>
             </a:r>
             <a:r>
-              <a:rPr lang="hr-HR" smtClean="0"/>
-              <a:t>Omogućava djelomično praćenje </a:t>
+              <a:rPr lang="hr-HR" dirty="0" err="1" smtClean="0"/>
+              <a:t>bundle</a:t>
             </a:r>
             <a:r>
               <a:rPr lang="hr-HR" dirty="0" smtClean="0"/>
-              <a:t>životnog ciklusa </a:t>
-            </a:r>
-            <a:r>
-              <a:rPr lang="hr-HR" dirty="0" smtClean="0"/>
-              <a:t>svežnja</a:t>
-            </a:r>
+              <a:t>)</a:t>
+            </a:r>
+            <a:endParaRPr lang="hr-HR" dirty="0" smtClean="0"/>
           </a:p>
           <a:p>
             <a:pPr>
@@ -7882,23 +7856,7 @@
             </a:pPr>
             <a:r>
               <a:rPr lang="hr-HR" dirty="0" smtClean="0"/>
-              <a:t> Kroz referencu u pozivu metode moguće doći </a:t>
-            </a:r>
-            <a:r>
-              <a:rPr lang="hr-HR" dirty="0" smtClean="0"/>
-              <a:t>do </a:t>
-            </a:r>
-            <a:r>
-              <a:rPr lang="hr-HR" dirty="0" smtClean="0"/>
-              <a:t>njegovih klasa </a:t>
-            </a:r>
-            <a:r>
-              <a:rPr lang="hr-HR" dirty="0" smtClean="0"/>
-              <a:t>i drugih </a:t>
-            </a:r>
-            <a:r>
-              <a:rPr lang="hr-HR" dirty="0" smtClean="0"/>
-              <a:t>resursa</a:t>
+              <a:t> Kroz referencu u pozivu metode moguće doći do njegovih klasa i drugih resursa</a:t>
             </a:r>
           </a:p>
           <a:p>
@@ -7908,11 +7866,7 @@
             </a:pPr>
             <a:r>
               <a:rPr lang="hr-HR" dirty="0" smtClean="0"/>
-              <a:t> Najvažniji </a:t>
-            </a:r>
-            <a:r>
-              <a:rPr lang="hr-HR" dirty="0" smtClean="0"/>
-              <a:t>resurs </a:t>
+              <a:t> Najvažniji resurs </a:t>
             </a:r>
             <a:r>
               <a:rPr lang="hr-HR" dirty="0" err="1" smtClean="0"/>
@@ -8088,11 +8042,7 @@
             </a:pPr>
             <a:r>
               <a:rPr lang="hr-HR" sz="2000" dirty="0" smtClean="0"/>
-              <a:t> </a:t>
-            </a:r>
-            <a:r>
-              <a:rPr lang="hr-HR" sz="2000" dirty="0" smtClean="0"/>
-              <a:t>Nadograđuje </a:t>
+              <a:t> Nadograđuje </a:t>
             </a:r>
             <a:r>
               <a:rPr lang="hr-HR" sz="2000" dirty="0" err="1" smtClean="0"/>
@@ -8182,11 +8132,7 @@
             </a:pPr>
             <a:r>
               <a:rPr lang="hr-HR" sz="2000" dirty="0" smtClean="0"/>
-              <a:t> </a:t>
-            </a:r>
-            <a:r>
-              <a:rPr lang="hr-HR" sz="2000" dirty="0" smtClean="0"/>
-              <a:t>Okvir za implementaciju grafičkog korisničkog sučelja</a:t>
+              <a:t> Okvir za implementaciju grafičkog korisničkog sučelja</a:t>
             </a:r>
           </a:p>
           <a:p>
@@ -8230,11 +8176,7 @@
             </a:r>
             <a:r>
               <a:rPr lang="hr-HR" sz="2000" dirty="0" smtClean="0"/>
-              <a:t> (izvršna okolina</a:t>
-            </a:r>
-            <a:r>
-              <a:rPr lang="hr-HR" sz="2000" dirty="0" smtClean="0"/>
-              <a:t>)</a:t>
+              <a:t> (izvršna okolina)</a:t>
             </a:r>
           </a:p>
           <a:p>
@@ -8260,11 +8202,7 @@
             </a:r>
             <a:r>
               <a:rPr lang="hr-HR" sz="2000" dirty="0" smtClean="0"/>
-              <a:t> (SWT</a:t>
-            </a:r>
-            <a:r>
-              <a:rPr lang="hr-HR" sz="2000" dirty="0" smtClean="0"/>
-              <a:t>)</a:t>
+              <a:t> (SWT)</a:t>
             </a:r>
           </a:p>
           <a:p>
@@ -8679,11 +8617,7 @@
             </a:br>
             <a:r>
               <a:rPr lang="hr-HR" sz="2000" dirty="0" smtClean="0"/>
-              <a:t>analizirati i prikazati tehnike u razvoju aplikacija kroz primjere</a:t>
-            </a:r>
-            <a:r>
-              <a:rPr lang="hr-HR" sz="2000" dirty="0" smtClean="0"/>
-              <a:t>.</a:t>
+              <a:t>analizirati i prikazati tehnike u razvoju aplikacija kroz primjere.</a:t>
             </a:r>
           </a:p>
           <a:p>
@@ -8693,11 +8627,7 @@
             </a:pPr>
             <a:r>
               <a:rPr lang="hr-HR" sz="2000" dirty="0" smtClean="0"/>
-              <a:t> Osvrnuti </a:t>
-            </a:r>
-            <a:r>
-              <a:rPr lang="hr-HR" sz="2000" dirty="0" smtClean="0"/>
-              <a:t>se na integraciju sa drugim vezanim tehnologijama i izraditi</a:t>
+              <a:t> Osvrnuti se na integraciju sa drugim vezanim tehnologijama i izraditi</a:t>
             </a:r>
             <a:br>
               <a:rPr lang="hr-HR" sz="2000" dirty="0" smtClean="0"/>
@@ -8927,12 +8857,32 @@
           <p:nvPr/>
         </p:nvGraphicFramePr>
         <p:xfrm>
-          <a:off x="2285984" y="1214422"/>
+          <a:off x="4286248" y="1285860"/>
           <a:ext cx="4572032" cy="5401739"/>
         </p:xfrm>
         <a:graphic>
           <a:graphicData uri="http://schemas.openxmlformats.org/presentationml/2006/ole">
             <p:oleObj spid="_x0000_s33793" name="Visio" r:id="rId3" imgW="5037979" imgH="5954310" progId="Visio.Drawing.11">
+              <p:embed/>
+            </p:oleObj>
+          </a:graphicData>
+        </a:graphic>
+      </p:graphicFrame>
+      <p:graphicFrame>
+        <p:nvGraphicFramePr>
+          <p:cNvPr id="3" name="Object 2"/>
+          <p:cNvGraphicFramePr>
+            <a:graphicFrameLocks noChangeAspect="1"/>
+          </p:cNvGraphicFramePr>
+          <p:nvPr/>
+        </p:nvGraphicFramePr>
+        <p:xfrm>
+          <a:off x="214282" y="2214554"/>
+          <a:ext cx="4248150" cy="3333750"/>
+        </p:xfrm>
+        <a:graphic>
+          <a:graphicData uri="http://schemas.openxmlformats.org/presentationml/2006/ole">
+            <p:oleObj spid="_x0000_s33794" name="Visio" r:id="rId4" imgW="4250002" imgH="3329640" progId="Visio.Drawing.11">
               <p:embed/>
             </p:oleObj>
           </a:graphicData>
@@ -9295,8 +9245,21 @@
             </a:pPr>
             <a:r>
               <a:rPr lang="hr-HR" sz="2000" dirty="0" smtClean="0"/>
-              <a:t> Omogućava neprekinut rad aplikacija</a:t>
-            </a:r>
+              <a:t> Omogućava </a:t>
+            </a:r>
+            <a:r>
+              <a:rPr lang="hr-HR" sz="2000" dirty="0" smtClean="0"/>
+              <a:t>izolaciju i neprekinut </a:t>
+            </a:r>
+            <a:r>
+              <a:rPr lang="hr-HR" sz="2000" dirty="0" smtClean="0"/>
+              <a:t>rad </a:t>
+            </a:r>
+            <a:r>
+              <a:rPr lang="hr-HR" sz="2000" dirty="0" smtClean="0"/>
+              <a:t>dijelova aplikacije</a:t>
+            </a:r>
+            <a:endParaRPr lang="hr-HR" sz="2000" dirty="0" smtClean="0"/>
           </a:p>
           <a:p>
             <a:pPr>
@@ -9353,11 +9316,7 @@
             </a:pPr>
             <a:r>
               <a:rPr lang="hr-HR" sz="2000" dirty="0" smtClean="0"/>
-              <a:t> Sve </a:t>
-            </a:r>
-            <a:r>
-              <a:rPr lang="hr-HR" sz="2000" dirty="0" smtClean="0"/>
-              <a:t>veći broj biblioteka se isporučuju kao </a:t>
+              <a:t> Sve veći broj biblioteka se isporučuju kao </a:t>
             </a:r>
             <a:r>
               <a:rPr lang="hr-HR" sz="2000" dirty="0" err="1" smtClean="0"/>
@@ -9567,15 +9526,7 @@
             </a:pPr>
             <a:r>
               <a:rPr lang="hr-HR" dirty="0" smtClean="0"/>
-              <a:t> dinamički </a:t>
-            </a:r>
-            <a:r>
-              <a:rPr lang="hr-HR" dirty="0" smtClean="0"/>
-              <a:t>modularni sustav za Java programski </a:t>
-            </a:r>
-            <a:r>
-              <a:rPr lang="hr-HR" dirty="0" smtClean="0"/>
-              <a:t>jezik</a:t>
+              <a:t> dinamički modularni sustav za Java programski jezik</a:t>
             </a:r>
           </a:p>
           <a:p>
@@ -9585,11 +9536,7 @@
             </a:pPr>
             <a:r>
               <a:rPr lang="hr-HR" dirty="0" smtClean="0"/>
-              <a:t> konstruiranje aplikacija kombiniranjem malih, ponovno iskoristivih komponenata koje međusobno </a:t>
-            </a:r>
-            <a:r>
-              <a:rPr lang="hr-HR" dirty="0" smtClean="0"/>
-              <a:t>surađuju</a:t>
+              <a:t> konstruiranje aplikacija kombiniranjem malih, ponovno iskoristivih komponenata koje međusobno surađuju</a:t>
             </a:r>
           </a:p>
           <a:p>
@@ -9599,15 +9546,7 @@
             </a:pPr>
             <a:r>
               <a:rPr lang="hr-HR" dirty="0" smtClean="0"/>
-              <a:t> dinamičku </a:t>
-            </a:r>
-            <a:r>
-              <a:rPr lang="hr-HR" dirty="0" smtClean="0"/>
-              <a:t>promjenu kompozicije </a:t>
-            </a:r>
-            <a:r>
-              <a:rPr lang="hr-HR" dirty="0" smtClean="0"/>
-              <a:t>aplikacije</a:t>
+              <a:t> dinamičku promjenu kompozicije aplikacije</a:t>
             </a:r>
           </a:p>
           <a:p>
@@ -10168,8 +10107,65 @@
                 <a:ea typeface="Times New Roman" pitchFamily="18" charset="0"/>
                 <a:cs typeface="Arial" pitchFamily="34" charset="0"/>
               </a:rPr>
-              <a:t>Specifikacija svežnjeva</a:t>
-            </a:r>
+              <a:t>Specifikacija </a:t>
+            </a:r>
+            <a:r>
+              <a:rPr kumimoji="0" lang="hr-HR" sz="1200" b="0" i="0" u="none" strike="noStrike" cap="none" normalizeH="0" baseline="0" dirty="0" smtClean="0">
+                <a:ln>
+                  <a:noFill/>
+                </a:ln>
+                <a:solidFill>
+                  <a:schemeClr val="tx1"/>
+                </a:solidFill>
+                <a:effectLst/>
+                <a:latin typeface="Arial" pitchFamily="34" charset="0"/>
+                <a:ea typeface="Times New Roman" pitchFamily="18" charset="0"/>
+                <a:cs typeface="Arial" pitchFamily="34" charset="0"/>
+              </a:rPr>
+              <a:t>životnog ciklusa</a:t>
+            </a:r>
+            <a:r>
+              <a:rPr kumimoji="0" lang="hr-HR" sz="1200" b="0" i="0" u="none" strike="noStrike" cap="none" normalizeH="0" dirty="0" smtClean="0">
+                <a:ln>
+                  <a:noFill/>
+                </a:ln>
+                <a:solidFill>
+                  <a:schemeClr val="tx1"/>
+                </a:solidFill>
+                <a:effectLst/>
+                <a:latin typeface="Arial" pitchFamily="34" charset="0"/>
+                <a:ea typeface="Times New Roman" pitchFamily="18" charset="0"/>
+                <a:cs typeface="Arial" pitchFamily="34" charset="0"/>
+              </a:rPr>
+              <a:t> </a:t>
+            </a:r>
+            <a:r>
+              <a:rPr kumimoji="0" lang="hr-HR" sz="1200" b="0" i="0" u="none" strike="noStrike" cap="none" normalizeH="0" baseline="0" dirty="0" smtClean="0">
+                <a:ln>
+                  <a:noFill/>
+                </a:ln>
+                <a:solidFill>
+                  <a:schemeClr val="tx1"/>
+                </a:solidFill>
+                <a:effectLst/>
+                <a:latin typeface="Arial" pitchFamily="34" charset="0"/>
+                <a:ea typeface="Times New Roman" pitchFamily="18" charset="0"/>
+                <a:cs typeface="Arial" pitchFamily="34" charset="0"/>
+              </a:rPr>
+              <a:t>svežnjeva</a:t>
+            </a:r>
+            <a:endParaRPr kumimoji="0" lang="hr-HR" sz="1200" b="0" i="0" u="none" strike="noStrike" cap="none" normalizeH="0" baseline="0" dirty="0" smtClean="0">
+              <a:ln>
+                <a:noFill/>
+              </a:ln>
+              <a:solidFill>
+                <a:schemeClr val="tx1"/>
+              </a:solidFill>
+              <a:effectLst/>
+              <a:latin typeface="Arial" pitchFamily="34" charset="0"/>
+              <a:ea typeface="Times New Roman" pitchFamily="18" charset="0"/>
+              <a:cs typeface="Arial" pitchFamily="34" charset="0"/>
+            </a:endParaRPr>
           </a:p>
           <a:p>
             <a:pPr marL="0" marR="0" lvl="0" indent="0" algn="l" defTabSz="914400" rtl="0" eaLnBrk="1" fontAlgn="base" latinLnBrk="0" hangingPunct="1">
@@ -10429,11 +10425,7 @@
             </a:pPr>
             <a:r>
               <a:rPr lang="hr-HR" sz="4000" dirty="0" smtClean="0"/>
-              <a:t> </a:t>
-            </a:r>
-            <a:r>
-              <a:rPr lang="hr-HR" sz="4000" dirty="0" smtClean="0"/>
-              <a:t>Svežanj</a:t>
+              <a:t> Svežanj</a:t>
             </a:r>
           </a:p>
           <a:p>
@@ -10443,11 +10435,7 @@
             </a:pPr>
             <a:r>
               <a:rPr lang="hr-HR" sz="4000" dirty="0" smtClean="0"/>
-              <a:t> </a:t>
-            </a:r>
-            <a:r>
-              <a:rPr lang="hr-HR" sz="4000" dirty="0" smtClean="0"/>
-              <a:t>Servis</a:t>
+              <a:t> Servis</a:t>
             </a:r>
           </a:p>
           <a:p>
@@ -10457,11 +10445,7 @@
             </a:pPr>
             <a:r>
               <a:rPr lang="hr-HR" sz="4000" dirty="0" smtClean="0"/>
-              <a:t> </a:t>
-            </a:r>
-            <a:r>
-              <a:rPr lang="hr-HR" sz="4000" dirty="0" smtClean="0"/>
-              <a:t>Fragment</a:t>
+              <a:t> Fragment</a:t>
             </a:r>
             <a:endParaRPr lang="hr-HR" sz="4000" dirty="0"/>
           </a:p>
@@ -10579,11 +10563,7 @@
             </a:pPr>
             <a:r>
               <a:rPr lang="hr-HR" sz="2800" dirty="0" smtClean="0"/>
-              <a:t> </a:t>
-            </a:r>
-            <a:r>
-              <a:rPr lang="hr-HR" sz="2800" dirty="0" smtClean="0"/>
-              <a:t>Ulaznu i izlaznu točku</a:t>
+              <a:t> Ulaznu i izlaznu točku</a:t>
             </a:r>
           </a:p>
           <a:p>
@@ -10593,11 +10573,7 @@
             </a:pPr>
             <a:r>
               <a:rPr lang="hr-HR" sz="2800" dirty="0" smtClean="0"/>
-              <a:t> </a:t>
-            </a:r>
-            <a:r>
-              <a:rPr lang="hr-HR" sz="2800" dirty="0" smtClean="0"/>
-              <a:t>Manifest datoteku</a:t>
+              <a:t> Manifest datoteku</a:t>
             </a:r>
           </a:p>
           <a:p>
@@ -10607,11 +10583,7 @@
             </a:pPr>
             <a:r>
               <a:rPr lang="hr-HR" sz="2800" dirty="0" smtClean="0"/>
-              <a:t> </a:t>
-            </a:r>
-            <a:r>
-              <a:rPr lang="hr-HR" sz="2800" dirty="0" smtClean="0"/>
-              <a:t>Vlastiti životni ciklus</a:t>
+              <a:t> Vlastiti životni ciklus</a:t>
             </a:r>
           </a:p>
           <a:p>
@@ -10621,11 +10593,7 @@
             </a:pPr>
             <a:r>
               <a:rPr lang="hr-HR" sz="2800" dirty="0" smtClean="0"/>
-              <a:t> </a:t>
-            </a:r>
-            <a:r>
-              <a:rPr lang="hr-HR" sz="2800" dirty="0" smtClean="0"/>
-              <a:t>Upravljanje uvozom i izvozom paketa</a:t>
+              <a:t> Upravljanje uvozom i izvozom paketa</a:t>
             </a:r>
             <a:endParaRPr lang="hr-HR" sz="2800" dirty="0"/>
           </a:p>
@@ -12099,11 +12067,7 @@
             </a:pPr>
             <a:r>
               <a:rPr lang="hr-HR" sz="2400" dirty="0" smtClean="0"/>
-              <a:t> </a:t>
-            </a:r>
-            <a:r>
-              <a:rPr lang="hr-HR" sz="2400" dirty="0" smtClean="0"/>
-              <a:t>Izlazna metoda stop(</a:t>
+              <a:t> Izlazna metoda stop(</a:t>
             </a:r>
             <a:r>
               <a:rPr lang="hr-HR" sz="2400" dirty="0" err="1" smtClean="0"/>
@@ -12224,15 +12188,7 @@
             </a:pPr>
             <a:r>
               <a:rPr lang="hr-HR" sz="2400" dirty="0" smtClean="0"/>
-              <a:t> Resurs </a:t>
-            </a:r>
-            <a:r>
-              <a:rPr lang="hr-HR" sz="2400" dirty="0" smtClean="0"/>
-              <a:t>svežnja koji sadrži meta-podatke o </a:t>
-            </a:r>
-            <a:r>
-              <a:rPr lang="hr-HR" sz="2400" dirty="0" smtClean="0"/>
-              <a:t>svežnju</a:t>
+              <a:t> Resurs svežnja koji sadrži meta-podatke o svežnju</a:t>
             </a:r>
           </a:p>
           <a:p>
@@ -12242,11 +12198,7 @@
             </a:pPr>
             <a:r>
               <a:rPr lang="hr-HR" sz="2400" dirty="0" smtClean="0"/>
-              <a:t> Ostvaruje identifikaciju </a:t>
-            </a:r>
-            <a:r>
-              <a:rPr lang="hr-HR" sz="2400" dirty="0" smtClean="0"/>
-              <a:t>svežnja </a:t>
+              <a:t> Ostvaruje identifikaciju svežnja </a:t>
             </a:r>
             <a:r>
               <a:rPr lang="hr-HR" sz="2400" dirty="0" err="1" smtClean="0"/>
@@ -12254,11 +12206,7 @@
             </a:r>
             <a:r>
               <a:rPr lang="hr-HR" sz="2400" dirty="0" smtClean="0"/>
-              <a:t> </a:t>
-            </a:r>
-            <a:r>
-              <a:rPr lang="hr-HR" sz="2400" dirty="0" smtClean="0"/>
-              <a:t>okviru</a:t>
+              <a:t> okviru</a:t>
             </a:r>
           </a:p>
           <a:p>
@@ -12268,19 +12216,7 @@
             </a:pPr>
             <a:r>
               <a:rPr lang="hr-HR" sz="2400" dirty="0" smtClean="0"/>
-              <a:t> </a:t>
-            </a:r>
-            <a:r>
-              <a:rPr lang="hr-HR" sz="2400" dirty="0" smtClean="0"/>
-              <a:t>Navodi </a:t>
-            </a:r>
-            <a:r>
-              <a:rPr lang="hr-HR" sz="2400" dirty="0" smtClean="0"/>
-              <a:t>klase koje svežanj uvozi i </a:t>
-            </a:r>
-            <a:r>
-              <a:rPr lang="hr-HR" sz="2400" dirty="0" smtClean="0"/>
-              <a:t>izvozi</a:t>
+              <a:t> Navodi klase koje svežanj uvozi i izvozi</a:t>
             </a:r>
             <a:endParaRPr lang="hr-HR" sz="2400" dirty="0"/>
           </a:p>
@@ -12997,18 +12933,7 @@
                 <a:ea typeface="Times New Roman" pitchFamily="18" charset="0"/>
                 <a:cs typeface="Courier New" pitchFamily="49" charset="0"/>
               </a:rPr>
-              <a:t>: </a:t>
-            </a:r>
-            <a:r>
-              <a:rPr lang="hr-HR" sz="1000" dirty="0" smtClean="0">
-                <a:solidFill>
-                  <a:srgbClr val="000000"/>
-                </a:solidFill>
-                <a:latin typeface="Courier New" pitchFamily="49" charset="0"/>
-                <a:ea typeface="Times New Roman" pitchFamily="18" charset="0"/>
-                <a:cs typeface="Courier New" pitchFamily="49" charset="0"/>
-              </a:rPr>
-              <a:t>hr.drezga.diplomski.test;</a:t>
+              <a:t>: hr.drezga.diplomski.test;</a:t>
             </a:r>
             <a:r>
               <a:rPr lang="hr-HR" sz="1000" i="1" dirty="0" err="1" smtClean="0">
@@ -13225,7 +13150,7 @@
         <p:spPr>
           <a:xfrm>
             <a:off x="357158" y="1357298"/>
-            <a:ext cx="4927118" cy="923330"/>
+            <a:ext cx="5416034" cy="923330"/>
           </a:xfrm>
           <a:prstGeom prst="rect">
             <a:avLst/>
@@ -13257,8 +13182,16 @@
               <a:t> </a:t>
             </a:r>
             <a:r>
+              <a:rPr lang="hr-HR" dirty="0" err="1" smtClean="0"/>
+              <a:t>OSGi</a:t>
+            </a:r>
+            <a:r>
               <a:rPr lang="hr-HR" dirty="0" smtClean="0"/>
-              <a:t>Dobavljač klasa koristi upute iz manifest datoteke</a:t>
+              <a:t> dobavljač </a:t>
+            </a:r>
+            <a:r>
+              <a:rPr lang="hr-HR" dirty="0" smtClean="0"/>
+              <a:t>klasa koristi upute iz manifest datoteke</a:t>
             </a:r>
           </a:p>
           <a:p>
@@ -13268,11 +13201,7 @@
             </a:pPr>
             <a:r>
               <a:rPr lang="hr-HR" dirty="0" smtClean="0"/>
-              <a:t> </a:t>
-            </a:r>
-            <a:r>
-              <a:rPr lang="hr-HR" dirty="0" smtClean="0"/>
-              <a:t>Import-</a:t>
+              <a:t> Import-</a:t>
             </a:r>
             <a:r>
               <a:rPr lang="hr-HR" dirty="0" err="1" smtClean="0"/>
